--- a/卒業論文/2014/石井康之/卒論中間ポスター.pptx
+++ b/卒業論文/2014/石井康之/卒論中間ポスター.pptx
@@ -211,7 +211,7 @@
           <a:p>
             <a:fld id="{1355B614-8C80-42CD-A0C7-A8AC0A708725}" type="datetimeFigureOut">
               <a:rPr kumimoji="1" lang="ja-JP" altLang="en-US" smtClean="0"/>
-              <a:t>2015/10/5</a:t>
+              <a:t>2015/10/6</a:t>
             </a:fld>
             <a:endParaRPr kumimoji="1" lang="ja-JP" altLang="en-US"/>
           </a:p>
@@ -726,7 +726,7 @@
           <a:p>
             <a:fld id="{CD18CB5A-6947-405F-A94A-52FF85729738}" type="datetimeFigureOut">
               <a:rPr kumimoji="1" lang="ja-JP" altLang="en-US" smtClean="0"/>
-              <a:t>2015/10/5</a:t>
+              <a:t>2015/10/6</a:t>
             </a:fld>
             <a:endParaRPr kumimoji="1" lang="ja-JP" altLang="en-US"/>
           </a:p>
@@ -928,7 +928,7 @@
           <a:p>
             <a:fld id="{CD18CB5A-6947-405F-A94A-52FF85729738}" type="datetimeFigureOut">
               <a:rPr kumimoji="1" lang="ja-JP" altLang="en-US" smtClean="0"/>
-              <a:t>2015/10/5</a:t>
+              <a:t>2015/10/6</a:t>
             </a:fld>
             <a:endParaRPr kumimoji="1" lang="ja-JP" altLang="en-US"/>
           </a:p>
@@ -1140,7 +1140,7 @@
           <a:p>
             <a:fld id="{CD18CB5A-6947-405F-A94A-52FF85729738}" type="datetimeFigureOut">
               <a:rPr kumimoji="1" lang="ja-JP" altLang="en-US" smtClean="0"/>
-              <a:t>2015/10/5</a:t>
+              <a:t>2015/10/6</a:t>
             </a:fld>
             <a:endParaRPr kumimoji="1" lang="ja-JP" altLang="en-US"/>
           </a:p>
@@ -1342,7 +1342,7 @@
           <a:p>
             <a:fld id="{CD18CB5A-6947-405F-A94A-52FF85729738}" type="datetimeFigureOut">
               <a:rPr kumimoji="1" lang="ja-JP" altLang="en-US" smtClean="0"/>
-              <a:t>2015/10/5</a:t>
+              <a:t>2015/10/6</a:t>
             </a:fld>
             <a:endParaRPr kumimoji="1" lang="ja-JP" altLang="en-US"/>
           </a:p>
@@ -1588,7 +1588,7 @@
           <a:p>
             <a:fld id="{CD18CB5A-6947-405F-A94A-52FF85729738}" type="datetimeFigureOut">
               <a:rPr kumimoji="1" lang="ja-JP" altLang="en-US" smtClean="0"/>
-              <a:t>2015/10/5</a:t>
+              <a:t>2015/10/6</a:t>
             </a:fld>
             <a:endParaRPr kumimoji="1" lang="ja-JP" altLang="en-US"/>
           </a:p>
@@ -1884,7 +1884,7 @@
           <a:p>
             <a:fld id="{CD18CB5A-6947-405F-A94A-52FF85729738}" type="datetimeFigureOut">
               <a:rPr kumimoji="1" lang="ja-JP" altLang="en-US" smtClean="0"/>
-              <a:t>2015/10/5</a:t>
+              <a:t>2015/10/6</a:t>
             </a:fld>
             <a:endParaRPr kumimoji="1" lang="ja-JP" altLang="en-US"/>
           </a:p>
@@ -2315,7 +2315,7 @@
           <a:p>
             <a:fld id="{CD18CB5A-6947-405F-A94A-52FF85729738}" type="datetimeFigureOut">
               <a:rPr kumimoji="1" lang="ja-JP" altLang="en-US" smtClean="0"/>
-              <a:t>2015/10/5</a:t>
+              <a:t>2015/10/6</a:t>
             </a:fld>
             <a:endParaRPr kumimoji="1" lang="ja-JP" altLang="en-US"/>
           </a:p>
@@ -2433,7 +2433,7 @@
           <a:p>
             <a:fld id="{CD18CB5A-6947-405F-A94A-52FF85729738}" type="datetimeFigureOut">
               <a:rPr kumimoji="1" lang="ja-JP" altLang="en-US" smtClean="0"/>
-              <a:t>2015/10/5</a:t>
+              <a:t>2015/10/6</a:t>
             </a:fld>
             <a:endParaRPr kumimoji="1" lang="ja-JP" altLang="en-US"/>
           </a:p>
@@ -2528,7 +2528,7 @@
           <a:p>
             <a:fld id="{CD18CB5A-6947-405F-A94A-52FF85729738}" type="datetimeFigureOut">
               <a:rPr kumimoji="1" lang="ja-JP" altLang="en-US" smtClean="0"/>
-              <a:t>2015/10/5</a:t>
+              <a:t>2015/10/6</a:t>
             </a:fld>
             <a:endParaRPr kumimoji="1" lang="ja-JP" altLang="en-US"/>
           </a:p>
@@ -2837,7 +2837,7 @@
           <a:p>
             <a:fld id="{CD18CB5A-6947-405F-A94A-52FF85729738}" type="datetimeFigureOut">
               <a:rPr kumimoji="1" lang="ja-JP" altLang="en-US" smtClean="0"/>
-              <a:t>2015/10/5</a:t>
+              <a:t>2015/10/6</a:t>
             </a:fld>
             <a:endParaRPr kumimoji="1" lang="ja-JP" altLang="en-US"/>
           </a:p>
@@ -3090,7 +3090,7 @@
           <a:p>
             <a:fld id="{CD18CB5A-6947-405F-A94A-52FF85729738}" type="datetimeFigureOut">
               <a:rPr kumimoji="1" lang="ja-JP" altLang="en-US" smtClean="0"/>
-              <a:t>2015/10/5</a:t>
+              <a:t>2015/10/6</a:t>
             </a:fld>
             <a:endParaRPr kumimoji="1" lang="ja-JP" altLang="en-US"/>
           </a:p>
@@ -3335,7 +3335,7 @@
           <a:p>
             <a:fld id="{CD18CB5A-6947-405F-A94A-52FF85729738}" type="datetimeFigureOut">
               <a:rPr kumimoji="1" lang="ja-JP" altLang="en-US" smtClean="0"/>
-              <a:t>2015/10/5</a:t>
+              <a:t>2015/10/6</a:t>
             </a:fld>
             <a:endParaRPr kumimoji="1" lang="ja-JP" altLang="en-US"/>
           </a:p>
@@ -4045,7 +4045,16 @@
                 </a:solidFill>
                 <a:latin typeface="+mn-ea"/>
               </a:rPr>
-              <a:t>個人で扱うのは困難なほど膨大</a:t>
+              <a:t>個人で扱うのは困難なほど</a:t>
+            </a:r>
+            <a:r>
+              <a:rPr kumimoji="1" lang="ja-JP" altLang="en-US" sz="3600" dirty="0" smtClean="0">
+                <a:solidFill>
+                  <a:schemeClr val="tx1"/>
+                </a:solidFill>
+                <a:latin typeface="+mn-ea"/>
+              </a:rPr>
+              <a:t>膨大．</a:t>
             </a:r>
             <a:endParaRPr kumimoji="1" lang="en-US" altLang="ja-JP" sz="3600" dirty="0" smtClean="0">
               <a:solidFill>
@@ -4170,34 +4179,7 @@
                 </a:solidFill>
                 <a:latin typeface="+mn-ea"/>
               </a:rPr>
-              <a:t>処理</a:t>
-            </a:r>
-            <a:r>
-              <a:rPr lang="ja-JP" altLang="en-US" sz="3600" dirty="0" smtClean="0">
-                <a:solidFill>
-                  <a:schemeClr val="tx1"/>
-                </a:solidFill>
-                <a:latin typeface="+mn-ea"/>
-              </a:rPr>
-              <a:t>技術</a:t>
-            </a:r>
-            <a:r>
-              <a:rPr lang="ja-JP" altLang="en-US" sz="3600" dirty="0" smtClean="0">
-                <a:solidFill>
-                  <a:schemeClr val="tx1"/>
-                </a:solidFill>
-                <a:latin typeface="+mn-ea"/>
-              </a:rPr>
-              <a:t>が必要</a:t>
-            </a:r>
-            <a:r>
-              <a:rPr lang="ja-JP" altLang="en-US" sz="3600" dirty="0" smtClean="0">
-                <a:solidFill>
-                  <a:schemeClr val="tx1"/>
-                </a:solidFill>
-                <a:latin typeface="+mn-ea"/>
-              </a:rPr>
-              <a:t>．</a:t>
+              <a:t>処理技術が必要．</a:t>
             </a:r>
             <a:endParaRPr kumimoji="1" lang="ja-JP" altLang="en-US" sz="3600" dirty="0">
               <a:solidFill>
@@ -4403,11 +4385,6 @@
               </a:rPr>
               <a:t>背景</a:t>
             </a:r>
-            <a:endParaRPr lang="ja-JP" altLang="en-US" sz="4400" dirty="0">
-              <a:solidFill>
-                <a:schemeClr val="tx1"/>
-              </a:solidFill>
-            </a:endParaRPr>
           </a:p>
         </p:txBody>
       </p:sp>
@@ -4480,7 +4457,7 @@
         </p:nvSpPr>
         <p:spPr>
           <a:xfrm>
-            <a:off x="13178628" y="14419379"/>
+            <a:off x="12879637" y="14427201"/>
             <a:ext cx="4979111" cy="759310"/>
           </a:xfrm>
           <a:prstGeom prst="homePlate">
@@ -4680,7 +4657,16 @@
                 </a:solidFill>
                 <a:latin typeface="+mn-ea"/>
               </a:rPr>
-              <a:t>で解析できるように整える</a:t>
+              <a:t>で解析できるように</a:t>
+            </a:r>
+            <a:r>
+              <a:rPr lang="ja-JP" altLang="en-US" sz="3600" dirty="0" smtClean="0">
+                <a:solidFill>
+                  <a:schemeClr val="tx1"/>
+                </a:solidFill>
+                <a:latin typeface="+mn-ea"/>
+              </a:rPr>
+              <a:t>整える．</a:t>
             </a:r>
             <a:endParaRPr lang="en-US" altLang="ja-JP" sz="3600" dirty="0" smtClean="0">
               <a:solidFill>
@@ -4882,16 +4868,7 @@
                 </a:solidFill>
                 <a:latin typeface="+mn-ea"/>
               </a:rPr>
-              <a:t>つ</a:t>
-            </a:r>
-            <a:r>
-              <a:rPr kumimoji="1" lang="ja-JP" altLang="en-US" sz="3600" dirty="0" smtClean="0">
-                <a:solidFill>
-                  <a:schemeClr val="tx1"/>
-                </a:solidFill>
-                <a:latin typeface="+mn-ea"/>
-              </a:rPr>
-              <a:t>．</a:t>
+              <a:t>つ．</a:t>
             </a:r>
             <a:endParaRPr kumimoji="1" lang="en-US" altLang="ja-JP" sz="3600" dirty="0" smtClean="0">
               <a:solidFill>
@@ -4973,8 +4950,8 @@
         </p:nvSpPr>
         <p:spPr>
           <a:xfrm>
-            <a:off x="12826629" y="13997200"/>
-            <a:ext cx="8288596" cy="11376211"/>
+            <a:off x="12587843" y="13997200"/>
+            <a:ext cx="8527382" cy="11376211"/>
           </a:xfrm>
           <a:prstGeom prst="rect">
             <a:avLst/>
@@ -5066,7 +5043,7 @@
         <p:spPr>
           <a:xfrm>
             <a:off x="180232" y="13997201"/>
-            <a:ext cx="12448045" cy="11376210"/>
+            <a:ext cx="12282123" cy="11376210"/>
           </a:xfrm>
           <a:prstGeom prst="rect">
             <a:avLst/>
@@ -5111,7 +5088,7 @@
         </p:nvSpPr>
         <p:spPr>
           <a:xfrm>
-            <a:off x="510735" y="17789836"/>
+            <a:off x="459525" y="17950023"/>
             <a:ext cx="5552662" cy="3019671"/>
           </a:xfrm>
           <a:prstGeom prst="roundRect">
@@ -5153,7 +5130,16 @@
                 </a:solidFill>
                 <a:latin typeface="+mn-ea"/>
               </a:rPr>
-              <a:t>どのような品質管理が行われているか分析結果から調査する</a:t>
+              <a:t>どのような品質管理が行われているか分析結果から調査</a:t>
+            </a:r>
+            <a:r>
+              <a:rPr kumimoji="1" lang="ja-JP" altLang="en-US" sz="3600" dirty="0" smtClean="0">
+                <a:solidFill>
+                  <a:schemeClr val="tx1"/>
+                </a:solidFill>
+                <a:latin typeface="+mn-ea"/>
+              </a:rPr>
+              <a:t>する．</a:t>
             </a:r>
             <a:endParaRPr kumimoji="1" lang="en-US" altLang="ja-JP" sz="3600" dirty="0" smtClean="0">
               <a:solidFill>
@@ -5258,7 +5244,7 @@
         </p:nvSpPr>
         <p:spPr>
           <a:xfrm>
-            <a:off x="505338" y="15314433"/>
+            <a:off x="426554" y="15308481"/>
             <a:ext cx="11385310" cy="2197416"/>
           </a:xfrm>
           <a:prstGeom prst="roundRect">
@@ -5328,7 +5314,7 @@
         </p:nvSpPr>
         <p:spPr>
           <a:xfrm>
-            <a:off x="604234" y="21290602"/>
+            <a:off x="426554" y="21290603"/>
             <a:ext cx="5552662" cy="2994300"/>
           </a:xfrm>
           <a:prstGeom prst="roundRect">
@@ -5403,7 +5389,7 @@
         </p:blipFill>
         <p:spPr>
           <a:xfrm>
-            <a:off x="6594547" y="17789836"/>
+            <a:off x="6343489" y="17864548"/>
             <a:ext cx="5880083" cy="5889916"/>
           </a:xfrm>
           <a:prstGeom prst="rect">
@@ -5424,7 +5410,7 @@
         </p:nvSpPr>
         <p:spPr>
           <a:xfrm>
-            <a:off x="7335119" y="24059449"/>
+            <a:off x="7121278" y="24022949"/>
             <a:ext cx="4324503" cy="1200329"/>
           </a:xfrm>
           <a:prstGeom prst="rect">
@@ -5516,8 +5502,8 @@
         </p:nvSpPr>
         <p:spPr>
           <a:xfrm>
-            <a:off x="13050669" y="15507828"/>
-            <a:ext cx="7840516" cy="2282008"/>
+            <a:off x="12879637" y="15471416"/>
+            <a:ext cx="8011092" cy="2282008"/>
           </a:xfrm>
           <a:prstGeom prst="roundRect">
             <a:avLst/>
@@ -5565,10 +5551,26 @@
                   <a:schemeClr val="tx1"/>
                 </a:solidFill>
               </a:rPr>
-              <a:t>のデータを扱えるサンプルプログラムを用いて，編集回数が多い記事一覧を生成することができた</a:t>
-            </a:r>
-            <a:r>
-              <a:rPr lang="ja-JP" altLang="en-US" sz="3600" dirty="0"/>
+              <a:t>のデータを扱えるサンプルプログラムを用いて，編集回数が多い記事一覧を生成することが</a:t>
+            </a:r>
+            <a:r>
+              <a:rPr lang="ja-JP" altLang="en-US" sz="3600" dirty="0" smtClean="0">
+                <a:solidFill>
+                  <a:schemeClr val="tx1"/>
+                </a:solidFill>
+              </a:rPr>
+              <a:t>できた</a:t>
+            </a:r>
+            <a:r>
+              <a:rPr lang="ja-JP" altLang="en-US" sz="3600" dirty="0" err="1" smtClean="0">
+                <a:solidFill>
+                  <a:schemeClr val="tx1"/>
+                </a:solidFill>
+              </a:rPr>
+              <a:t>．</a:t>
+            </a:r>
+            <a:r>
+              <a:rPr lang="ja-JP" altLang="en-US" sz="3600" dirty="0" err="1" smtClean="0"/>
               <a:t>．</a:t>
             </a:r>
             <a:endParaRPr lang="ja-JP" altLang="en-US" sz="3600" dirty="0"/>
